--- a/PyRogue+Presentation.pptx
+++ b/PyRogue+Presentation.pptx
@@ -3025,7 +3025,6 @@
               <a:rPr lang="ru-RU" dirty="0" smtClean="0"/>
               <a:t> ландшафтами.</a:t>
             </a:r>
-            <a:endParaRPr lang="ru-RU" dirty="0" smtClean="0"/>
           </a:p>
           <a:p>
             <a:endParaRPr lang="ru-RU" dirty="0"/>
@@ -3049,11 +3048,27 @@
             </a:r>
             <a:r>
               <a:rPr lang="ru-RU" dirty="0" smtClean="0"/>
+              <a:t> Артём, Голубев </a:t>
+            </a:r>
+            <a:r>
+              <a:rPr lang="ru-RU" dirty="0" smtClean="0"/>
+              <a:t>Георгий</a:t>
+            </a:r>
+            <a:r>
+              <a:rPr lang="en-US" dirty="0" smtClean="0"/>
+              <a:t>, </a:t>
+            </a:r>
+            <a:r>
+              <a:rPr lang="ru-RU" dirty="0" err="1" smtClean="0"/>
+              <a:t>Будылин</a:t>
+            </a:r>
+            <a:r>
+              <a:rPr lang="ru-RU" smtClean="0"/>
+              <a:t> Михаил.</a:t>
+            </a:r>
+            <a:r>
+              <a:rPr lang="ru-RU" smtClean="0"/>
               <a:t> </a:t>
-            </a:r>
-            <a:r>
-              <a:rPr lang="ru-RU" dirty="0" smtClean="0"/>
-              <a:t>Артём, Голубев Георгий </a:t>
             </a:r>
             <a:endParaRPr lang="ru-RU" dirty="0"/>
           </a:p>
@@ -3394,16 +3409,11 @@
               <a:rPr lang="ru-RU" dirty="0" smtClean="0"/>
               <a:t> – в другом).</a:t>
             </a:r>
-            <a:endParaRPr lang="ru-RU" dirty="0" smtClean="0"/>
           </a:p>
           <a:p>
             <a:r>
               <a:rPr lang="ru-RU" dirty="0" smtClean="0"/>
-              <a:t>Для реализации проекта </a:t>
-            </a:r>
-            <a:r>
-              <a:rPr lang="ru-RU" dirty="0" smtClean="0"/>
-              <a:t>был использован</a:t>
+              <a:t>Для реализации проекта был использован</a:t>
             </a:r>
             <a:r>
               <a:rPr lang="en-US" dirty="0" smtClean="0"/>
@@ -3514,11 +3524,7 @@
           <a:p>
             <a:r>
               <a:rPr lang="ru-RU" dirty="0" smtClean="0"/>
-              <a:t>Результатом разработки </a:t>
-            </a:r>
-            <a:r>
-              <a:rPr lang="ru-RU" dirty="0" smtClean="0"/>
-              <a:t>будет продукт, который можно достойно выложить на игровые платформы (например, </a:t>
+              <a:t>Результатом разработки будет продукт, который можно достойно выложить на игровые платформы (например, </a:t>
             </a:r>
             <a:r>
               <a:rPr lang="en-US" dirty="0" smtClean="0"/>
@@ -3533,11 +3539,7 @@
             </a:r>
             <a:r>
               <a:rPr lang="ru-RU" smtClean="0"/>
-              <a:t>будет </a:t>
-            </a:r>
-            <a:r>
-              <a:rPr lang="ru-RU" smtClean="0"/>
-              <a:t>дорабатываться</a:t>
+              <a:t>будет дорабатываться</a:t>
             </a:r>
             <a:r>
               <a:rPr lang="ru-RU"/>
